--- a/other/pptx/estimation-approximation-error.pptx
+++ b/other/pptx/estimation-approximation-error.pptx
@@ -197,7 +197,7 @@
           <a:p>
             <a:fld id="{6E10BCF0-339F-BC49-A140-3C4E6D0CEBFA}" type="datetimeFigureOut">
               <a:rPr lang="en-US" smtClean="0"/>
-              <a:t>5/9/24</a:t>
+              <a:t>5/10/24</a:t>
             </a:fld>
             <a:endParaRPr lang="en-US"/>
           </a:p>
@@ -719,7 +719,7 @@
           <a:p>
             <a:fld id="{9D275D05-B5B6-5946-BDB9-49EE6FE80DE5}" type="datetimeFigureOut">
               <a:rPr lang="en-US" smtClean="0"/>
-              <a:t>5/9/24</a:t>
+              <a:t>5/10/24</a:t>
             </a:fld>
             <a:endParaRPr lang="en-US"/>
           </a:p>
@@ -917,7 +917,7 @@
           <a:p>
             <a:fld id="{9D275D05-B5B6-5946-BDB9-49EE6FE80DE5}" type="datetimeFigureOut">
               <a:rPr lang="en-US" smtClean="0"/>
-              <a:t>5/9/24</a:t>
+              <a:t>5/10/24</a:t>
             </a:fld>
             <a:endParaRPr lang="en-US"/>
           </a:p>
@@ -1125,7 +1125,7 @@
           <a:p>
             <a:fld id="{9D275D05-B5B6-5946-BDB9-49EE6FE80DE5}" type="datetimeFigureOut">
               <a:rPr lang="en-US" smtClean="0"/>
-              <a:t>5/9/24</a:t>
+              <a:t>5/10/24</a:t>
             </a:fld>
             <a:endParaRPr lang="en-US"/>
           </a:p>
@@ -1323,7 +1323,7 @@
           <a:p>
             <a:fld id="{9D275D05-B5B6-5946-BDB9-49EE6FE80DE5}" type="datetimeFigureOut">
               <a:rPr lang="en-US" smtClean="0"/>
-              <a:t>5/9/24</a:t>
+              <a:t>5/10/24</a:t>
             </a:fld>
             <a:endParaRPr lang="en-US"/>
           </a:p>
@@ -1598,7 +1598,7 @@
           <a:p>
             <a:fld id="{9D275D05-B5B6-5946-BDB9-49EE6FE80DE5}" type="datetimeFigureOut">
               <a:rPr lang="en-US" smtClean="0"/>
-              <a:t>5/9/24</a:t>
+              <a:t>5/10/24</a:t>
             </a:fld>
             <a:endParaRPr lang="en-US"/>
           </a:p>
@@ -1863,7 +1863,7 @@
           <a:p>
             <a:fld id="{9D275D05-B5B6-5946-BDB9-49EE6FE80DE5}" type="datetimeFigureOut">
               <a:rPr lang="en-US" smtClean="0"/>
-              <a:t>5/9/24</a:t>
+              <a:t>5/10/24</a:t>
             </a:fld>
             <a:endParaRPr lang="en-US"/>
           </a:p>
@@ -2275,7 +2275,7 @@
           <a:p>
             <a:fld id="{9D275D05-B5B6-5946-BDB9-49EE6FE80DE5}" type="datetimeFigureOut">
               <a:rPr lang="en-US" smtClean="0"/>
-              <a:t>5/9/24</a:t>
+              <a:t>5/10/24</a:t>
             </a:fld>
             <a:endParaRPr lang="en-US"/>
           </a:p>
@@ -2416,7 +2416,7 @@
           <a:p>
             <a:fld id="{9D275D05-B5B6-5946-BDB9-49EE6FE80DE5}" type="datetimeFigureOut">
               <a:rPr lang="en-US" smtClean="0"/>
-              <a:t>5/9/24</a:t>
+              <a:t>5/10/24</a:t>
             </a:fld>
             <a:endParaRPr lang="en-US"/>
           </a:p>
@@ -2529,7 +2529,7 @@
           <a:p>
             <a:fld id="{9D275D05-B5B6-5946-BDB9-49EE6FE80DE5}" type="datetimeFigureOut">
               <a:rPr lang="en-US" smtClean="0"/>
-              <a:t>5/9/24</a:t>
+              <a:t>5/10/24</a:t>
             </a:fld>
             <a:endParaRPr lang="en-US"/>
           </a:p>
@@ -2840,7 +2840,7 @@
           <a:p>
             <a:fld id="{9D275D05-B5B6-5946-BDB9-49EE6FE80DE5}" type="datetimeFigureOut">
               <a:rPr lang="en-US" smtClean="0"/>
-              <a:t>5/9/24</a:t>
+              <a:t>5/10/24</a:t>
             </a:fld>
             <a:endParaRPr lang="en-US"/>
           </a:p>
@@ -3128,7 +3128,7 @@
           <a:p>
             <a:fld id="{9D275D05-B5B6-5946-BDB9-49EE6FE80DE5}" type="datetimeFigureOut">
               <a:rPr lang="en-US" smtClean="0"/>
-              <a:t>5/9/24</a:t>
+              <a:t>5/10/24</a:t>
             </a:fld>
             <a:endParaRPr lang="en-US"/>
           </a:p>
@@ -3369,7 +3369,7 @@
           <a:p>
             <a:fld id="{9D275D05-B5B6-5946-BDB9-49EE6FE80DE5}" type="datetimeFigureOut">
               <a:rPr lang="en-US" smtClean="0"/>
-              <a:t>5/9/24</a:t>
+              <a:t>5/10/24</a:t>
             </a:fld>
             <a:endParaRPr lang="en-US"/>
           </a:p>
@@ -3794,10 +3794,10 @@
       </p:grpSpPr>
       <p:grpSp>
         <p:nvGrpSpPr>
-          <p:cNvPr id="40" name="Group 39">
-            <a:extLst>
-              <a:ext uri="{FF2B5EF4-FFF2-40B4-BE49-F238E27FC236}">
-                <a16:creationId xmlns:a16="http://schemas.microsoft.com/office/drawing/2014/main" id="{43DE6D57-111B-72FA-E4EB-A531BA6E7173}"/>
+          <p:cNvPr id="3" name="Group 2">
+            <a:extLst>
+              <a:ext uri="{FF2B5EF4-FFF2-40B4-BE49-F238E27FC236}">
+                <a16:creationId xmlns:a16="http://schemas.microsoft.com/office/drawing/2014/main" id="{4ACE3D81-F686-27F5-3EC3-8F35B59F224B}"/>
               </a:ext>
             </a:extLst>
           </p:cNvPr>
@@ -3806,10 +3806,10 @@
         </p:nvGrpSpPr>
         <p:grpSpPr>
           <a:xfrm>
-            <a:off x="1981726" y="983506"/>
-            <a:ext cx="8228549" cy="4890989"/>
-            <a:chOff x="1981725" y="1093076"/>
-            <a:chExt cx="8228549" cy="4890989"/>
+            <a:off x="1981726" y="1548315"/>
+            <a:ext cx="8228549" cy="3761370"/>
+            <a:chOff x="1981726" y="1548315"/>
+            <a:chExt cx="8228549" cy="3761370"/>
           </a:xfrm>
         </p:grpSpPr>
         <p:sp>
@@ -3826,8 +3826,8 @@
           </p:nvSpPr>
           <p:spPr>
             <a:xfrm>
-              <a:off x="1981725" y="1093076"/>
-              <a:ext cx="8228549" cy="4890989"/>
+              <a:off x="1981726" y="1548315"/>
+              <a:ext cx="8228549" cy="3761370"/>
             </a:xfrm>
             <a:prstGeom prst="ellipse">
               <a:avLst/>
@@ -3880,7 +3880,7 @@
           </p:nvSpPr>
           <p:spPr>
             <a:xfrm rot="18324782">
-              <a:off x="3678621" y="1883190"/>
+              <a:off x="3678622" y="1773620"/>
               <a:ext cx="2743200" cy="3310759"/>
             </a:xfrm>
             <a:prstGeom prst="ellipse">
@@ -3936,7 +3936,7 @@
           </p:nvSpPr>
           <p:spPr>
             <a:xfrm>
-              <a:off x="7932160" y="4201492"/>
+              <a:off x="7932161" y="4091922"/>
               <a:ext cx="243840" cy="243840"/>
             </a:xfrm>
             <a:prstGeom prst="ellipse">
@@ -3990,7 +3990,7 @@
           </p:nvSpPr>
           <p:spPr>
             <a:xfrm>
-              <a:off x="5852159" y="4342876"/>
+              <a:off x="5852160" y="4233306"/>
               <a:ext cx="243840" cy="243840"/>
             </a:xfrm>
             <a:prstGeom prst="ellipse">
@@ -4044,7 +4044,7 @@
           </p:nvSpPr>
           <p:spPr>
             <a:xfrm>
-              <a:off x="4523795" y="3203543"/>
+              <a:off x="4523796" y="3093973"/>
               <a:ext cx="243840" cy="243840"/>
             </a:xfrm>
             <a:prstGeom prst="ellipse">
@@ -4100,7 +4100,7 @@
           </p:nvCxnSpPr>
           <p:spPr>
             <a:xfrm>
-              <a:off x="4731925" y="3411673"/>
+              <a:off x="4731926" y="3302103"/>
               <a:ext cx="1155944" cy="966913"/>
             </a:xfrm>
             <a:prstGeom prst="line">
@@ -4146,7 +4146,7 @@
           </p:nvCxnSpPr>
           <p:spPr>
             <a:xfrm flipV="1">
-              <a:off x="6095999" y="4323412"/>
+              <a:off x="6096000" y="4213842"/>
               <a:ext cx="1836161" cy="141384"/>
             </a:xfrm>
             <a:prstGeom prst="line">
